--- a/_ppt/Шаблоны проектирования 7.pptx
+++ b/_ppt/Шаблоны проектирования 7.pptx
@@ -3419,7 +3419,6 @@
               <a:rPr lang="ru-RU" dirty="0"/>
               <a:t>Это объект, представляющий себя как уникальный экземпляр в разных местах программы, но по факту не являющийся таковым.</a:t>
             </a:r>
-            <a:endParaRPr lang="ru-RU" dirty="0"/>
           </a:p>
         </p:txBody>
       </p:sp>
@@ -3520,7 +3519,6 @@
               <a:rPr lang="ru-RU" dirty="0"/>
               <a:t>Цепочка ответственности</a:t>
             </a:r>
-            <a:endParaRPr lang="ru-RU" dirty="0"/>
           </a:p>
         </p:txBody>
       </p:sp>
@@ -3553,7 +3551,6 @@
               <a:rPr lang="ru-RU" dirty="0"/>
               <a:t>Предназначен для организации в системе уровней ответственности.</a:t>
             </a:r>
-            <a:endParaRPr lang="ru-RU" dirty="0"/>
           </a:p>
         </p:txBody>
       </p:sp>
